--- a/docs/blog/t-io系列文档之bytebuffer入门与技巧（2）/t-io系列文档之图解bytebuffer（2）.pptx
+++ b/docs/blog/t-io系列文档之bytebuffer入门与技巧（2）/t-io系列文档之图解bytebuffer（2）.pptx
@@ -293,7 +293,7 @@
             <a:fld id="{530820CF-B880-4189-942D-D702A7CBA730}" type="datetimeFigureOut">
               <a:rPr lang="zh-CN" altLang="en-US" smtClean="0"/>
               <a:pPr/>
-              <a:t>2017/5/1</a:t>
+              <a:t>2017/5/2</a:t>
             </a:fld>
             <a:endParaRPr lang="zh-CN" altLang="en-US"/>
           </a:p>
@@ -460,7 +460,7 @@
             <a:fld id="{530820CF-B880-4189-942D-D702A7CBA730}" type="datetimeFigureOut">
               <a:rPr lang="zh-CN" altLang="en-US" smtClean="0"/>
               <a:pPr/>
-              <a:t>2017/5/1</a:t>
+              <a:t>2017/5/2</a:t>
             </a:fld>
             <a:endParaRPr lang="zh-CN" altLang="en-US"/>
           </a:p>
@@ -637,7 +637,7 @@
             <a:fld id="{530820CF-B880-4189-942D-D702A7CBA730}" type="datetimeFigureOut">
               <a:rPr lang="zh-CN" altLang="en-US" smtClean="0"/>
               <a:pPr/>
-              <a:t>2017/5/1</a:t>
+              <a:t>2017/5/2</a:t>
             </a:fld>
             <a:endParaRPr lang="zh-CN" altLang="en-US"/>
           </a:p>
@@ -804,7 +804,7 @@
             <a:fld id="{530820CF-B880-4189-942D-D702A7CBA730}" type="datetimeFigureOut">
               <a:rPr lang="zh-CN" altLang="en-US" smtClean="0"/>
               <a:pPr/>
-              <a:t>2017/5/1</a:t>
+              <a:t>2017/5/2</a:t>
             </a:fld>
             <a:endParaRPr lang="zh-CN" altLang="en-US"/>
           </a:p>
@@ -1047,7 +1047,7 @@
             <a:fld id="{530820CF-B880-4189-942D-D702A7CBA730}" type="datetimeFigureOut">
               <a:rPr lang="zh-CN" altLang="en-US" smtClean="0"/>
               <a:pPr/>
-              <a:t>2017/5/1</a:t>
+              <a:t>2017/5/2</a:t>
             </a:fld>
             <a:endParaRPr lang="zh-CN" altLang="en-US"/>
           </a:p>
@@ -1332,7 +1332,7 @@
             <a:fld id="{530820CF-B880-4189-942D-D702A7CBA730}" type="datetimeFigureOut">
               <a:rPr lang="zh-CN" altLang="en-US" smtClean="0"/>
               <a:pPr/>
-              <a:t>2017/5/1</a:t>
+              <a:t>2017/5/2</a:t>
             </a:fld>
             <a:endParaRPr lang="zh-CN" altLang="en-US"/>
           </a:p>
@@ -1751,7 +1751,7 @@
             <a:fld id="{530820CF-B880-4189-942D-D702A7CBA730}" type="datetimeFigureOut">
               <a:rPr lang="zh-CN" altLang="en-US" smtClean="0"/>
               <a:pPr/>
-              <a:t>2017/5/1</a:t>
+              <a:t>2017/5/2</a:t>
             </a:fld>
             <a:endParaRPr lang="zh-CN" altLang="en-US"/>
           </a:p>
@@ -1866,7 +1866,7 @@
             <a:fld id="{530820CF-B880-4189-942D-D702A7CBA730}" type="datetimeFigureOut">
               <a:rPr lang="zh-CN" altLang="en-US" smtClean="0"/>
               <a:pPr/>
-              <a:t>2017/5/1</a:t>
+              <a:t>2017/5/2</a:t>
             </a:fld>
             <a:endParaRPr lang="zh-CN" altLang="en-US"/>
           </a:p>
@@ -1958,7 +1958,7 @@
             <a:fld id="{530820CF-B880-4189-942D-D702A7CBA730}" type="datetimeFigureOut">
               <a:rPr lang="zh-CN" altLang="en-US" smtClean="0"/>
               <a:pPr/>
-              <a:t>2017/5/1</a:t>
+              <a:t>2017/5/2</a:t>
             </a:fld>
             <a:endParaRPr lang="zh-CN" altLang="en-US"/>
           </a:p>
@@ -2232,7 +2232,7 @@
             <a:fld id="{530820CF-B880-4189-942D-D702A7CBA730}" type="datetimeFigureOut">
               <a:rPr lang="zh-CN" altLang="en-US" smtClean="0"/>
               <a:pPr/>
-              <a:t>2017/5/1</a:t>
+              <a:t>2017/5/2</a:t>
             </a:fld>
             <a:endParaRPr lang="zh-CN" altLang="en-US"/>
           </a:p>
@@ -2482,7 +2482,7 @@
             <a:fld id="{530820CF-B880-4189-942D-D702A7CBA730}" type="datetimeFigureOut">
               <a:rPr lang="zh-CN" altLang="en-US" smtClean="0"/>
               <a:pPr/>
-              <a:t>2017/5/1</a:t>
+              <a:t>2017/5/2</a:t>
             </a:fld>
             <a:endParaRPr lang="zh-CN" altLang="en-US"/>
           </a:p>
@@ -2692,7 +2692,7 @@
             <a:fld id="{530820CF-B880-4189-942D-D702A7CBA730}" type="datetimeFigureOut">
               <a:rPr lang="zh-CN" altLang="en-US" smtClean="0"/>
               <a:pPr/>
-              <a:t>2017/5/1</a:t>
+              <a:t>2017/5/2</a:t>
             </a:fld>
             <a:endParaRPr lang="zh-CN" altLang="en-US"/>
           </a:p>
@@ -3636,10 +3636,18 @@
                   <a:srgbClr val="00B050"/>
                 </a:solidFill>
               </a:rPr>
-              <a:t> 0&lt;=</a:t>
-            </a:r>
-            <a:r>
-              <a:rPr lang="en-US" altLang="zh-CN" sz="2400" dirty="0" smtClean="0">
+              <a:t> 0</a:t>
+            </a:r>
+            <a:r>
+              <a:rPr lang="en-US" altLang="zh-CN" sz="2400" smtClean="0">
+                <a:solidFill>
+                  <a:srgbClr val="00B050"/>
+                </a:solidFill>
+              </a:rPr>
+              <a:t>&lt;=</a:t>
+            </a:r>
+            <a:r>
+              <a:rPr lang="en-US" altLang="zh-CN" sz="2400" smtClean="0">
                 <a:solidFill>
                   <a:srgbClr val="FF0000"/>
                 </a:solidFill>
@@ -3647,13 +3655,18 @@
               <a:t>position</a:t>
             </a:r>
             <a:r>
-              <a:rPr lang="en-US" altLang="zh-CN" sz="2400" dirty="0" smtClean="0">
+              <a:rPr lang="en-US" altLang="zh-CN" sz="2400" smtClean="0">
                 <a:solidFill>
                   <a:srgbClr val="00B050"/>
                 </a:solidFill>
               </a:rPr>
-              <a:t>&lt;=6</a:t>
-            </a:r>
+              <a:t>&lt;6</a:t>
+            </a:r>
+            <a:endParaRPr lang="en-US" altLang="zh-CN" sz="2400" dirty="0" smtClean="0">
+              <a:solidFill>
+                <a:srgbClr val="00B050"/>
+              </a:solidFill>
+            </a:endParaRPr>
           </a:p>
         </p:txBody>
       </p:sp>
@@ -4916,11 +4929,6 @@
               </a:rPr>
               <a:t>position==1</a:t>
             </a:r>
-            <a:endParaRPr lang="en-US" altLang="zh-CN" sz="2400" dirty="0" smtClean="0">
-              <a:solidFill>
-                <a:srgbClr val="00B050"/>
-              </a:solidFill>
-            </a:endParaRPr>
           </a:p>
         </p:txBody>
       </p:sp>
@@ -5623,11 +5631,6 @@
               </a:rPr>
               <a:t>position==0</a:t>
             </a:r>
-            <a:endParaRPr lang="en-US" altLang="zh-CN" sz="2400" dirty="0" smtClean="0">
-              <a:solidFill>
-                <a:srgbClr val="00B050"/>
-              </a:solidFill>
-            </a:endParaRPr>
           </a:p>
         </p:txBody>
       </p:sp>
@@ -6330,11 +6333,6 @@
               </a:rPr>
               <a:t>position==1</a:t>
             </a:r>
-            <a:endParaRPr lang="en-US" altLang="zh-CN" sz="2400" dirty="0" smtClean="0">
-              <a:solidFill>
-                <a:srgbClr val="00B050"/>
-              </a:solidFill>
-            </a:endParaRPr>
           </a:p>
         </p:txBody>
       </p:sp>
